--- a/journalSwarmControl/pictures/pdf/hysteresis.pptx
+++ b/journalSwarmControl/pictures/pdf/hysteresis.pptx
@@ -192,7 +192,7 @@
           <a:p>
             <a:fld id="{0DDB46D6-FEB1-7144-A80B-AA777857CD57}" type="datetimeFigureOut">
               <a:rPr lang="en-US" smtClean="0"/>
-              <a:t>8/10/16</a:t>
+              <a:t>8/17/16</a:t>
             </a:fld>
             <a:endParaRPr lang="en-US"/>
           </a:p>
@@ -730,7 +730,7 @@
           <a:p>
             <a:fld id="{4AA69DF8-6C00-984E-BFE9-4DBC164C52A6}" type="datetimeFigureOut">
               <a:rPr lang="en-US" smtClean="0"/>
-              <a:t>8/10/16</a:t>
+              <a:t>8/17/16</a:t>
             </a:fld>
             <a:endParaRPr lang="en-US"/>
           </a:p>
@@ -900,7 +900,7 @@
           <a:p>
             <a:fld id="{4AA69DF8-6C00-984E-BFE9-4DBC164C52A6}" type="datetimeFigureOut">
               <a:rPr lang="en-US" smtClean="0"/>
-              <a:t>8/10/16</a:t>
+              <a:t>8/17/16</a:t>
             </a:fld>
             <a:endParaRPr lang="en-US"/>
           </a:p>
@@ -1080,7 +1080,7 @@
           <a:p>
             <a:fld id="{4AA69DF8-6C00-984E-BFE9-4DBC164C52A6}" type="datetimeFigureOut">
               <a:rPr lang="en-US" smtClean="0"/>
-              <a:t>8/10/16</a:t>
+              <a:t>8/17/16</a:t>
             </a:fld>
             <a:endParaRPr lang="en-US"/>
           </a:p>
@@ -1250,7 +1250,7 @@
           <a:p>
             <a:fld id="{4AA69DF8-6C00-984E-BFE9-4DBC164C52A6}" type="datetimeFigureOut">
               <a:rPr lang="en-US" smtClean="0"/>
-              <a:t>8/10/16</a:t>
+              <a:t>8/17/16</a:t>
             </a:fld>
             <a:endParaRPr lang="en-US"/>
           </a:p>
@@ -1496,7 +1496,7 @@
           <a:p>
             <a:fld id="{4AA69DF8-6C00-984E-BFE9-4DBC164C52A6}" type="datetimeFigureOut">
               <a:rPr lang="en-US" smtClean="0"/>
-              <a:t>8/10/16</a:t>
+              <a:t>8/17/16</a:t>
             </a:fld>
             <a:endParaRPr lang="en-US"/>
           </a:p>
@@ -1784,7 +1784,7 @@
           <a:p>
             <a:fld id="{4AA69DF8-6C00-984E-BFE9-4DBC164C52A6}" type="datetimeFigureOut">
               <a:rPr lang="en-US" smtClean="0"/>
-              <a:t>8/10/16</a:t>
+              <a:t>8/17/16</a:t>
             </a:fld>
             <a:endParaRPr lang="en-US"/>
           </a:p>
@@ -2211,7 +2211,7 @@
           <a:p>
             <a:fld id="{4AA69DF8-6C00-984E-BFE9-4DBC164C52A6}" type="datetimeFigureOut">
               <a:rPr lang="en-US" smtClean="0"/>
-              <a:t>8/10/16</a:t>
+              <a:t>8/17/16</a:t>
             </a:fld>
             <a:endParaRPr lang="en-US"/>
           </a:p>
@@ -2329,7 +2329,7 @@
           <a:p>
             <a:fld id="{4AA69DF8-6C00-984E-BFE9-4DBC164C52A6}" type="datetimeFigureOut">
               <a:rPr lang="en-US" smtClean="0"/>
-              <a:t>8/10/16</a:t>
+              <a:t>8/17/16</a:t>
             </a:fld>
             <a:endParaRPr lang="en-US"/>
           </a:p>
@@ -2424,7 +2424,7 @@
           <a:p>
             <a:fld id="{4AA69DF8-6C00-984E-BFE9-4DBC164C52A6}" type="datetimeFigureOut">
               <a:rPr lang="en-US" smtClean="0"/>
-              <a:t>8/10/16</a:t>
+              <a:t>8/17/16</a:t>
             </a:fld>
             <a:endParaRPr lang="en-US"/>
           </a:p>
@@ -2701,7 +2701,7 @@
           <a:p>
             <a:fld id="{4AA69DF8-6C00-984E-BFE9-4DBC164C52A6}" type="datetimeFigureOut">
               <a:rPr lang="en-US" smtClean="0"/>
-              <a:t>8/10/16</a:t>
+              <a:t>8/17/16</a:t>
             </a:fld>
             <a:endParaRPr lang="en-US"/>
           </a:p>
@@ -2954,7 +2954,7 @@
           <a:p>
             <a:fld id="{4AA69DF8-6C00-984E-BFE9-4DBC164C52A6}" type="datetimeFigureOut">
               <a:rPr lang="en-US" smtClean="0"/>
-              <a:t>8/10/16</a:t>
+              <a:t>8/17/16</a:t>
             </a:fld>
             <a:endParaRPr lang="en-US"/>
           </a:p>
@@ -3167,7 +3167,7 @@
           <a:p>
             <a:fld id="{4AA69DF8-6C00-984E-BFE9-4DBC164C52A6}" type="datetimeFigureOut">
               <a:rPr lang="en-US" smtClean="0"/>
-              <a:t>8/10/16</a:t>
+              <a:t>8/17/16</a:t>
             </a:fld>
             <a:endParaRPr lang="en-US"/>
           </a:p>
@@ -3735,8 +3735,8 @@
             <a:solidFill>
               <a:schemeClr val="tx1"/>
             </a:solidFill>
-            <a:headEnd type="stealth" w="med" len="lg"/>
-            <a:tailEnd type="none" w="med" len="lg"/>
+            <a:headEnd type="none" w="med" len="lg"/>
+            <a:tailEnd type="stealth" w="med" len="lg"/>
           </a:ln>
           <a:effectLst/>
         </p:spPr>
@@ -3784,8 +3784,8 @@
             <a:solidFill>
               <a:schemeClr val="tx1"/>
             </a:solidFill>
-            <a:headEnd type="stealth" w="med" len="lg"/>
-            <a:tailEnd type="none" w="med" len="lg"/>
+            <a:headEnd type="none" w="med" len="lg"/>
+            <a:tailEnd type="stealth" w="med" len="lg"/>
           </a:ln>
           <a:effectLst/>
         </p:spPr>
